--- a/weeklymeeting0528.pptx
+++ b/weeklymeeting0528.pptx
@@ -8,6 +8,8 @@
     <p:sldId id="264" r:id="rId2"/>
     <p:sldId id="263" r:id="rId3"/>
     <p:sldId id="261" r:id="rId4"/>
+    <p:sldId id="265" r:id="rId5"/>
+    <p:sldId id="266" r:id="rId6"/>
   </p:sldIdLst>
   <p:sldSz cx="9144000" cy="6858000" type="screen4x3"/>
   <p:notesSz cx="6858000" cy="9144000"/>
@@ -307,7 +309,7 @@
             <a:fld id="{1D8BD707-D9CF-40AE-B4C6-C98DA3205C09}" type="datetimeFigureOut">
               <a:rPr lang="en-US" smtClean="0"/>
               <a:pPr/>
-              <a:t>5/27/2018</a:t>
+              <a:t>5/28/2018</a:t>
             </a:fld>
             <a:endParaRPr lang="en-US"/>
           </a:p>
@@ -474,7 +476,7 @@
             <a:fld id="{1D8BD707-D9CF-40AE-B4C6-C98DA3205C09}" type="datetimeFigureOut">
               <a:rPr lang="en-US" smtClean="0"/>
               <a:pPr/>
-              <a:t>5/27/2018</a:t>
+              <a:t>5/28/2018</a:t>
             </a:fld>
             <a:endParaRPr lang="en-US"/>
           </a:p>
@@ -651,7 +653,7 @@
             <a:fld id="{1D8BD707-D9CF-40AE-B4C6-C98DA3205C09}" type="datetimeFigureOut">
               <a:rPr lang="en-US" smtClean="0"/>
               <a:pPr/>
-              <a:t>5/27/2018</a:t>
+              <a:t>5/28/2018</a:t>
             </a:fld>
             <a:endParaRPr lang="en-US"/>
           </a:p>
@@ -818,7 +820,7 @@
             <a:fld id="{1D8BD707-D9CF-40AE-B4C6-C98DA3205C09}" type="datetimeFigureOut">
               <a:rPr lang="en-US" smtClean="0"/>
               <a:pPr/>
-              <a:t>5/27/2018</a:t>
+              <a:t>5/28/2018</a:t>
             </a:fld>
             <a:endParaRPr lang="en-US"/>
           </a:p>
@@ -1061,7 +1063,7 @@
             <a:fld id="{1D8BD707-D9CF-40AE-B4C6-C98DA3205C09}" type="datetimeFigureOut">
               <a:rPr lang="en-US" smtClean="0"/>
               <a:pPr/>
-              <a:t>5/27/2018</a:t>
+              <a:t>5/28/2018</a:t>
             </a:fld>
             <a:endParaRPr lang="en-US"/>
           </a:p>
@@ -1346,7 +1348,7 @@
             <a:fld id="{1D8BD707-D9CF-40AE-B4C6-C98DA3205C09}" type="datetimeFigureOut">
               <a:rPr lang="en-US" smtClean="0"/>
               <a:pPr/>
-              <a:t>5/27/2018</a:t>
+              <a:t>5/28/2018</a:t>
             </a:fld>
             <a:endParaRPr lang="en-US"/>
           </a:p>
@@ -1765,7 +1767,7 @@
             <a:fld id="{1D8BD707-D9CF-40AE-B4C6-C98DA3205C09}" type="datetimeFigureOut">
               <a:rPr lang="en-US" smtClean="0"/>
               <a:pPr/>
-              <a:t>5/27/2018</a:t>
+              <a:t>5/28/2018</a:t>
             </a:fld>
             <a:endParaRPr lang="en-US"/>
           </a:p>
@@ -1880,7 +1882,7 @@
             <a:fld id="{1D8BD707-D9CF-40AE-B4C6-C98DA3205C09}" type="datetimeFigureOut">
               <a:rPr lang="en-US" smtClean="0"/>
               <a:pPr/>
-              <a:t>5/27/2018</a:t>
+              <a:t>5/28/2018</a:t>
             </a:fld>
             <a:endParaRPr lang="en-US"/>
           </a:p>
@@ -1972,7 +1974,7 @@
             <a:fld id="{1D8BD707-D9CF-40AE-B4C6-C98DA3205C09}" type="datetimeFigureOut">
               <a:rPr lang="en-US" smtClean="0"/>
               <a:pPr/>
-              <a:t>5/27/2018</a:t>
+              <a:t>5/28/2018</a:t>
             </a:fld>
             <a:endParaRPr lang="en-US"/>
           </a:p>
@@ -2246,7 +2248,7 @@
             <a:fld id="{1D8BD707-D9CF-40AE-B4C6-C98DA3205C09}" type="datetimeFigureOut">
               <a:rPr lang="en-US" smtClean="0"/>
               <a:pPr/>
-              <a:t>5/27/2018</a:t>
+              <a:t>5/28/2018</a:t>
             </a:fld>
             <a:endParaRPr lang="en-US"/>
           </a:p>
@@ -2496,7 +2498,7 @@
             <a:fld id="{1D8BD707-D9CF-40AE-B4C6-C98DA3205C09}" type="datetimeFigureOut">
               <a:rPr lang="en-US" smtClean="0"/>
               <a:pPr/>
-              <a:t>5/27/2018</a:t>
+              <a:t>5/28/2018</a:t>
             </a:fld>
             <a:endParaRPr lang="en-US"/>
           </a:p>
@@ -2706,7 +2708,7 @@
             <a:fld id="{1D8BD707-D9CF-40AE-B4C6-C98DA3205C09}" type="datetimeFigureOut">
               <a:rPr lang="en-US" smtClean="0"/>
               <a:pPr/>
-              <a:t>5/27/2018</a:t>
+              <a:t>5/28/2018</a:t>
             </a:fld>
             <a:endParaRPr lang="en-US"/>
           </a:p>
@@ -3693,6 +3695,162 @@
 </p:sld>
 </file>
 
+<file path=ppt/slides/slide4.xml><?xml version="1.0" encoding="utf-8"?>
+<p:sld xmlns:a="http://schemas.openxmlformats.org/drawingml/2006/main" xmlns:r="http://schemas.openxmlformats.org/officeDocument/2006/relationships" xmlns:p="http://schemas.openxmlformats.org/presentationml/2006/main">
+  <p:cSld>
+    <p:spTree>
+      <p:nvGrpSpPr>
+        <p:cNvPr id="1" name=""/>
+        <p:cNvGrpSpPr/>
+        <p:nvPr/>
+      </p:nvGrpSpPr>
+      <p:grpSpPr>
+        <a:xfrm>
+          <a:off x="0" y="0"/>
+          <a:ext cx="0" cy="0"/>
+          <a:chOff x="0" y="0"/>
+          <a:chExt cx="0" cy="0"/>
+        </a:xfrm>
+      </p:grpSpPr>
+      <p:pic>
+        <p:nvPicPr>
+          <p:cNvPr id="4" name="圖片 3"/>
+          <p:cNvPicPr>
+            <a:picLocks noChangeAspect="1"/>
+          </p:cNvPicPr>
+          <p:nvPr/>
+        </p:nvPicPr>
+        <p:blipFill>
+          <a:blip r:embed="rId2"/>
+          <a:stretch>
+            <a:fillRect/>
+          </a:stretch>
+        </p:blipFill>
+        <p:spPr>
+          <a:xfrm>
+            <a:off x="2285999" y="2133600"/>
+            <a:ext cx="4611314" cy="3397381"/>
+          </a:xfrm>
+          <a:prstGeom prst="rect">
+            <a:avLst/>
+          </a:prstGeom>
+        </p:spPr>
+      </p:pic>
+      <p:pic>
+        <p:nvPicPr>
+          <p:cNvPr id="5" name="圖片 4"/>
+          <p:cNvPicPr>
+            <a:picLocks noChangeAspect="1"/>
+          </p:cNvPicPr>
+          <p:nvPr/>
+        </p:nvPicPr>
+        <p:blipFill>
+          <a:blip r:embed="rId3"/>
+          <a:stretch>
+            <a:fillRect/>
+          </a:stretch>
+        </p:blipFill>
+        <p:spPr>
+          <a:xfrm>
+            <a:off x="1535255" y="228600"/>
+            <a:ext cx="6112803" cy="963725"/>
+          </a:xfrm>
+          <a:prstGeom prst="rect">
+            <a:avLst/>
+          </a:prstGeom>
+        </p:spPr>
+      </p:pic>
+    </p:spTree>
+    <p:extLst>
+      <p:ext uri="{BB962C8B-B14F-4D97-AF65-F5344CB8AC3E}">
+        <p14:creationId xmlns:p14="http://schemas.microsoft.com/office/powerpoint/2010/main" val="2191721863"/>
+      </p:ext>
+    </p:extLst>
+  </p:cSld>
+  <p:clrMapOvr>
+    <a:masterClrMapping/>
+  </p:clrMapOvr>
+</p:sld>
+</file>
+
+<file path=ppt/slides/slide5.xml><?xml version="1.0" encoding="utf-8"?>
+<p:sld xmlns:a="http://schemas.openxmlformats.org/drawingml/2006/main" xmlns:r="http://schemas.openxmlformats.org/officeDocument/2006/relationships" xmlns:p="http://schemas.openxmlformats.org/presentationml/2006/main">
+  <p:cSld>
+    <p:spTree>
+      <p:nvGrpSpPr>
+        <p:cNvPr id="1" name=""/>
+        <p:cNvGrpSpPr/>
+        <p:nvPr/>
+      </p:nvGrpSpPr>
+      <p:grpSpPr>
+        <a:xfrm>
+          <a:off x="0" y="0"/>
+          <a:ext cx="0" cy="0"/>
+          <a:chOff x="0" y="0"/>
+          <a:chExt cx="0" cy="0"/>
+        </a:xfrm>
+      </p:grpSpPr>
+      <p:pic>
+        <p:nvPicPr>
+          <p:cNvPr id="4" name="圖片 3"/>
+          <p:cNvPicPr>
+            <a:picLocks noChangeAspect="1"/>
+          </p:cNvPicPr>
+          <p:nvPr/>
+        </p:nvPicPr>
+        <p:blipFill>
+          <a:blip r:embed="rId2"/>
+          <a:stretch>
+            <a:fillRect/>
+          </a:stretch>
+        </p:blipFill>
+        <p:spPr>
+          <a:xfrm>
+            <a:off x="2209800" y="1676400"/>
+            <a:ext cx="5234220" cy="4957592"/>
+          </a:xfrm>
+          <a:prstGeom prst="rect">
+            <a:avLst/>
+          </a:prstGeom>
+        </p:spPr>
+      </p:pic>
+      <p:pic>
+        <p:nvPicPr>
+          <p:cNvPr id="5" name="圖片 4"/>
+          <p:cNvPicPr>
+            <a:picLocks noChangeAspect="1"/>
+          </p:cNvPicPr>
+          <p:nvPr/>
+        </p:nvPicPr>
+        <p:blipFill>
+          <a:blip r:embed="rId3"/>
+          <a:stretch>
+            <a:fillRect/>
+          </a:stretch>
+        </p:blipFill>
+        <p:spPr>
+          <a:xfrm>
+            <a:off x="1524000" y="22412"/>
+            <a:ext cx="6781800" cy="1715494"/>
+          </a:xfrm>
+          <a:prstGeom prst="rect">
+            <a:avLst/>
+          </a:prstGeom>
+        </p:spPr>
+      </p:pic>
+    </p:spTree>
+    <p:extLst>
+      <p:ext uri="{BB962C8B-B14F-4D97-AF65-F5344CB8AC3E}">
+        <p14:creationId xmlns:p14="http://schemas.microsoft.com/office/powerpoint/2010/main" val="1008245555"/>
+      </p:ext>
+    </p:extLst>
+  </p:cSld>
+  <p:clrMapOvr>
+    <a:masterClrMapping/>
+  </p:clrMapOvr>
+</p:sld>
+</file>
+
 <file path=ppt/theme/theme1.xml><?xml version="1.0" encoding="utf-8"?>
 <a:theme xmlns:a="http://schemas.openxmlformats.org/drawingml/2006/main" name="Office Theme">
   <a:themeElements>
